--- a/Poster.pptx
+++ b/Poster.pptx
@@ -4944,7 +4944,7 @@
         <p:spPr>
           <a:xfrm>
             <a:off x="22136398" y="34367308"/>
-            <a:ext cx="4279053" cy="1477328"/>
+            <a:ext cx="6027122" cy="1200329"/>
           </a:xfrm>
           <a:prstGeom prst="rect">
             <a:avLst/>
